--- a/Lessons/Lesson_VII/Lesson_VII_Questions.pptx
+++ b/Lessons/Lesson_VII/Lesson_VII_Questions.pptx
@@ -59,7 +59,7 @@
       </p:grpSpPr>
       <p:sp>
         <p:nvSpPr>
-          <p:cNvPr id="26" name="PlaceHolder 1"/>
+          <p:cNvPr id="23" name="PlaceHolder 1"/>
           <p:cNvSpPr>
             <a:spLocks noGrp="1"/>
           </p:cNvSpPr>
@@ -70,7 +70,7 @@
         <p:spPr>
           <a:xfrm>
             <a:off x="504000" y="301320"/>
-            <a:ext cx="9071640" cy="1262160"/>
+            <a:ext cx="9070920" cy="1261440"/>
           </a:xfrm>
           <a:prstGeom prst="rect">
             <a:avLst/>
@@ -86,7 +86,7 @@
       </p:sp>
       <p:sp>
         <p:nvSpPr>
-          <p:cNvPr id="27" name="PlaceHolder 2"/>
+          <p:cNvPr id="24" name="PlaceHolder 2"/>
           <p:cNvSpPr>
             <a:spLocks noGrp="1"/>
           </p:cNvSpPr>
@@ -97,7 +97,7 @@
         <p:spPr>
           <a:xfrm>
             <a:off x="504000" y="1769040"/>
-            <a:ext cx="9071640" cy="2091240"/>
+            <a:ext cx="9070920" cy="2090880"/>
           </a:xfrm>
           <a:prstGeom prst="rect">
             <a:avLst/>
@@ -112,7 +112,7 @@
       </p:sp>
       <p:sp>
         <p:nvSpPr>
-          <p:cNvPr id="28" name="PlaceHolder 3"/>
+          <p:cNvPr id="25" name="PlaceHolder 3"/>
           <p:cNvSpPr>
             <a:spLocks noGrp="1"/>
           </p:cNvSpPr>
@@ -122,8 +122,8 @@
         </p:nvSpPr>
         <p:spPr>
           <a:xfrm>
-            <a:off x="504000" y="4059360"/>
-            <a:ext cx="9071640" cy="2091240"/>
+            <a:off x="504000" y="4059000"/>
+            <a:ext cx="9070920" cy="2090880"/>
           </a:xfrm>
           <a:prstGeom prst="rect">
             <a:avLst/>
@@ -160,7 +160,7 @@
       </p:grpSpPr>
       <p:sp>
         <p:nvSpPr>
-          <p:cNvPr id="29" name="PlaceHolder 1"/>
+          <p:cNvPr id="26" name="PlaceHolder 1"/>
           <p:cNvSpPr>
             <a:spLocks noGrp="1"/>
           </p:cNvSpPr>
@@ -171,7 +171,7 @@
         <p:spPr>
           <a:xfrm>
             <a:off x="504000" y="301320"/>
-            <a:ext cx="9071640" cy="1262160"/>
+            <a:ext cx="9070920" cy="1261440"/>
           </a:xfrm>
           <a:prstGeom prst="rect">
             <a:avLst/>
@@ -187,7 +187,7 @@
       </p:sp>
       <p:sp>
         <p:nvSpPr>
-          <p:cNvPr id="30" name="PlaceHolder 2"/>
+          <p:cNvPr id="27" name="PlaceHolder 2"/>
           <p:cNvSpPr>
             <a:spLocks noGrp="1"/>
           </p:cNvSpPr>
@@ -198,7 +198,7 @@
         <p:spPr>
           <a:xfrm>
             <a:off x="504000" y="1769040"/>
-            <a:ext cx="4426920" cy="2091240"/>
+            <a:ext cx="4426560" cy="2090880"/>
           </a:xfrm>
           <a:prstGeom prst="rect">
             <a:avLst/>
@@ -213,7 +213,7 @@
       </p:sp>
       <p:sp>
         <p:nvSpPr>
-          <p:cNvPr id="31" name="PlaceHolder 3"/>
+          <p:cNvPr id="28" name="PlaceHolder 3"/>
           <p:cNvSpPr>
             <a:spLocks noGrp="1"/>
           </p:cNvSpPr>
@@ -223,8 +223,8 @@
         </p:nvSpPr>
         <p:spPr>
           <a:xfrm>
-            <a:off x="5152680" y="1769040"/>
-            <a:ext cx="4426920" cy="2091240"/>
+            <a:off x="5152320" y="1769040"/>
+            <a:ext cx="4426560" cy="2090880"/>
           </a:xfrm>
           <a:prstGeom prst="rect">
             <a:avLst/>
@@ -239,7 +239,7 @@
       </p:sp>
       <p:sp>
         <p:nvSpPr>
-          <p:cNvPr id="32" name="PlaceHolder 4"/>
+          <p:cNvPr id="29" name="PlaceHolder 4"/>
           <p:cNvSpPr>
             <a:spLocks noGrp="1"/>
           </p:cNvSpPr>
@@ -249,8 +249,8 @@
         </p:nvSpPr>
         <p:spPr>
           <a:xfrm>
-            <a:off x="5152680" y="4059360"/>
-            <a:ext cx="4426920" cy="2091240"/>
+            <a:off x="5152320" y="4059000"/>
+            <a:ext cx="4426560" cy="2090880"/>
           </a:xfrm>
           <a:prstGeom prst="rect">
             <a:avLst/>
@@ -265,7 +265,7 @@
       </p:sp>
       <p:sp>
         <p:nvSpPr>
-          <p:cNvPr id="33" name="PlaceHolder 5"/>
+          <p:cNvPr id="30" name="PlaceHolder 5"/>
           <p:cNvSpPr>
             <a:spLocks noGrp="1"/>
           </p:cNvSpPr>
@@ -275,8 +275,8 @@
         </p:nvSpPr>
         <p:spPr>
           <a:xfrm>
-            <a:off x="504000" y="4059360"/>
-            <a:ext cx="4426920" cy="2091240"/>
+            <a:off x="504000" y="4059000"/>
+            <a:ext cx="4426560" cy="2090880"/>
           </a:xfrm>
           <a:prstGeom prst="rect">
             <a:avLst/>
@@ -313,7 +313,7 @@
       </p:grpSpPr>
       <p:sp>
         <p:nvSpPr>
-          <p:cNvPr id="34" name="PlaceHolder 1"/>
+          <p:cNvPr id="31" name="PlaceHolder 1"/>
           <p:cNvSpPr>
             <a:spLocks noGrp="1"/>
           </p:cNvSpPr>
@@ -324,7 +324,7 @@
         <p:spPr>
           <a:xfrm>
             <a:off x="504000" y="301320"/>
-            <a:ext cx="9071640" cy="1262160"/>
+            <a:ext cx="9070920" cy="1261440"/>
           </a:xfrm>
           <a:prstGeom prst="rect">
             <a:avLst/>
@@ -340,7 +340,7 @@
       </p:sp>
       <p:sp>
         <p:nvSpPr>
-          <p:cNvPr id="35" name="PlaceHolder 2"/>
+          <p:cNvPr id="32" name="PlaceHolder 2"/>
           <p:cNvSpPr>
             <a:spLocks noGrp="1"/>
           </p:cNvSpPr>
@@ -351,7 +351,7 @@
         <p:spPr>
           <a:xfrm>
             <a:off x="504000" y="1769040"/>
-            <a:ext cx="9071640" cy="4384440"/>
+            <a:ext cx="9070920" cy="4383720"/>
           </a:xfrm>
           <a:prstGeom prst="rect">
             <a:avLst/>
@@ -366,7 +366,7 @@
       </p:sp>
       <p:sp>
         <p:nvSpPr>
-          <p:cNvPr id="36" name="PlaceHolder 3"/>
+          <p:cNvPr id="33" name="PlaceHolder 3"/>
           <p:cNvSpPr>
             <a:spLocks noGrp="1"/>
           </p:cNvSpPr>
@@ -377,7 +377,7 @@
         <p:spPr>
           <a:xfrm>
             <a:off x="504000" y="1769040"/>
-            <a:ext cx="9071640" cy="4384440"/>
+            <a:ext cx="9070920" cy="4383720"/>
           </a:xfrm>
           <a:prstGeom prst="rect">
             <a:avLst/>
@@ -392,7 +392,7 @@
       </p:sp>
       <p:pic>
         <p:nvPicPr>
-          <p:cNvPr id="37" name="" descr=""/>
+          <p:cNvPr id="34" name="" descr=""/>
           <p:cNvPicPr/>
           <p:nvPr/>
         </p:nvPicPr>
@@ -402,8 +402,8 @@
         </p:blipFill>
         <p:spPr>
           <a:xfrm>
-            <a:off x="2291760" y="1768680"/>
-            <a:ext cx="5495400" cy="4384440"/>
+            <a:off x="2292120" y="1768680"/>
+            <a:ext cx="5494320" cy="4383720"/>
           </a:xfrm>
           <a:prstGeom prst="rect">
             <a:avLst/>
@@ -415,7 +415,7 @@
       </p:pic>
       <p:pic>
         <p:nvPicPr>
-          <p:cNvPr id="38" name="" descr=""/>
+          <p:cNvPr id="35" name="" descr=""/>
           <p:cNvPicPr/>
           <p:nvPr/>
         </p:nvPicPr>
@@ -425,8 +425,8 @@
         </p:blipFill>
         <p:spPr>
           <a:xfrm>
-            <a:off x="2291760" y="1768680"/>
-            <a:ext cx="5495400" cy="4384440"/>
+            <a:off x="2292120" y="1768680"/>
+            <a:ext cx="5494320" cy="4383720"/>
           </a:xfrm>
           <a:prstGeom prst="rect">
             <a:avLst/>
@@ -460,7 +460,7 @@
       </p:grpSpPr>
       <p:sp>
         <p:nvSpPr>
-          <p:cNvPr id="5" name="PlaceHolder 1"/>
+          <p:cNvPr id="2" name="PlaceHolder 1"/>
           <p:cNvSpPr>
             <a:spLocks noGrp="1"/>
           </p:cNvSpPr>
@@ -471,7 +471,7 @@
         <p:spPr>
           <a:xfrm>
             <a:off x="504000" y="301320"/>
-            <a:ext cx="9071640" cy="1262160"/>
+            <a:ext cx="9070920" cy="1261440"/>
           </a:xfrm>
           <a:prstGeom prst="rect">
             <a:avLst/>
@@ -487,7 +487,7 @@
       </p:sp>
       <p:sp>
         <p:nvSpPr>
-          <p:cNvPr id="6" name="PlaceHolder 2"/>
+          <p:cNvPr id="3" name="PlaceHolder 2"/>
           <p:cNvSpPr>
             <a:spLocks noGrp="1"/>
           </p:cNvSpPr>
@@ -498,7 +498,7 @@
         <p:spPr>
           <a:xfrm>
             <a:off x="504000" y="1769040"/>
-            <a:ext cx="9071640" cy="4384440"/>
+            <a:ext cx="9070920" cy="4383720"/>
           </a:xfrm>
           <a:prstGeom prst="rect">
             <a:avLst/>
@@ -536,7 +536,7 @@
       </p:grpSpPr>
       <p:sp>
         <p:nvSpPr>
-          <p:cNvPr id="7" name="PlaceHolder 1"/>
+          <p:cNvPr id="4" name="PlaceHolder 1"/>
           <p:cNvSpPr>
             <a:spLocks noGrp="1"/>
           </p:cNvSpPr>
@@ -547,7 +547,7 @@
         <p:spPr>
           <a:xfrm>
             <a:off x="504000" y="301320"/>
-            <a:ext cx="9071640" cy="1262160"/>
+            <a:ext cx="9070920" cy="1261440"/>
           </a:xfrm>
           <a:prstGeom prst="rect">
             <a:avLst/>
@@ -563,7 +563,7 @@
       </p:sp>
       <p:sp>
         <p:nvSpPr>
-          <p:cNvPr id="8" name="PlaceHolder 2"/>
+          <p:cNvPr id="5" name="PlaceHolder 2"/>
           <p:cNvSpPr>
             <a:spLocks noGrp="1"/>
           </p:cNvSpPr>
@@ -574,7 +574,7 @@
         <p:spPr>
           <a:xfrm>
             <a:off x="504000" y="1769040"/>
-            <a:ext cx="9071640" cy="4384440"/>
+            <a:ext cx="9070920" cy="4383720"/>
           </a:xfrm>
           <a:prstGeom prst="rect">
             <a:avLst/>
@@ -611,7 +611,7 @@
       </p:grpSpPr>
       <p:sp>
         <p:nvSpPr>
-          <p:cNvPr id="9" name="PlaceHolder 1"/>
+          <p:cNvPr id="6" name="PlaceHolder 1"/>
           <p:cNvSpPr>
             <a:spLocks noGrp="1"/>
           </p:cNvSpPr>
@@ -622,7 +622,7 @@
         <p:spPr>
           <a:xfrm>
             <a:off x="504000" y="301320"/>
-            <a:ext cx="9071640" cy="1262160"/>
+            <a:ext cx="9070920" cy="1261440"/>
           </a:xfrm>
           <a:prstGeom prst="rect">
             <a:avLst/>
@@ -638,7 +638,7 @@
       </p:sp>
       <p:sp>
         <p:nvSpPr>
-          <p:cNvPr id="10" name="PlaceHolder 2"/>
+          <p:cNvPr id="7" name="PlaceHolder 2"/>
           <p:cNvSpPr>
             <a:spLocks noGrp="1"/>
           </p:cNvSpPr>
@@ -649,7 +649,7 @@
         <p:spPr>
           <a:xfrm>
             <a:off x="504000" y="1769040"/>
-            <a:ext cx="4426920" cy="4384440"/>
+            <a:ext cx="4426560" cy="4383720"/>
           </a:xfrm>
           <a:prstGeom prst="rect">
             <a:avLst/>
@@ -664,7 +664,7 @@
       </p:sp>
       <p:sp>
         <p:nvSpPr>
-          <p:cNvPr id="11" name="PlaceHolder 3"/>
+          <p:cNvPr id="8" name="PlaceHolder 3"/>
           <p:cNvSpPr>
             <a:spLocks noGrp="1"/>
           </p:cNvSpPr>
@@ -674,8 +674,8 @@
         </p:nvSpPr>
         <p:spPr>
           <a:xfrm>
-            <a:off x="5152680" y="1769040"/>
-            <a:ext cx="4426920" cy="4384440"/>
+            <a:off x="5152320" y="1769040"/>
+            <a:ext cx="4426560" cy="4383720"/>
           </a:xfrm>
           <a:prstGeom prst="rect">
             <a:avLst/>
@@ -712,7 +712,7 @@
       </p:grpSpPr>
       <p:sp>
         <p:nvSpPr>
-          <p:cNvPr id="12" name="PlaceHolder 1"/>
+          <p:cNvPr id="9" name="PlaceHolder 1"/>
           <p:cNvSpPr>
             <a:spLocks noGrp="1"/>
           </p:cNvSpPr>
@@ -723,7 +723,7 @@
         <p:spPr>
           <a:xfrm>
             <a:off x="504000" y="301320"/>
-            <a:ext cx="9071640" cy="1262160"/>
+            <a:ext cx="9070920" cy="1261440"/>
           </a:xfrm>
           <a:prstGeom prst="rect">
             <a:avLst/>
@@ -761,7 +761,7 @@
       </p:grpSpPr>
       <p:sp>
         <p:nvSpPr>
-          <p:cNvPr id="13" name="PlaceHolder 1"/>
+          <p:cNvPr id="10" name="PlaceHolder 1"/>
           <p:cNvSpPr>
             <a:spLocks noGrp="1"/>
           </p:cNvSpPr>
@@ -772,7 +772,7 @@
         <p:spPr>
           <a:xfrm>
             <a:off x="504000" y="301320"/>
-            <a:ext cx="9071640" cy="5851800"/>
+            <a:ext cx="9070920" cy="5848560"/>
           </a:xfrm>
           <a:prstGeom prst="rect">
             <a:avLst/>
@@ -810,7 +810,7 @@
       </p:grpSpPr>
       <p:sp>
         <p:nvSpPr>
-          <p:cNvPr id="14" name="PlaceHolder 1"/>
+          <p:cNvPr id="11" name="PlaceHolder 1"/>
           <p:cNvSpPr>
             <a:spLocks noGrp="1"/>
           </p:cNvSpPr>
@@ -821,7 +821,7 @@
         <p:spPr>
           <a:xfrm>
             <a:off x="504000" y="301320"/>
-            <a:ext cx="9071640" cy="1262160"/>
+            <a:ext cx="9070920" cy="1261440"/>
           </a:xfrm>
           <a:prstGeom prst="rect">
             <a:avLst/>
@@ -837,7 +837,7 @@
       </p:sp>
       <p:sp>
         <p:nvSpPr>
-          <p:cNvPr id="15" name="PlaceHolder 2"/>
+          <p:cNvPr id="12" name="PlaceHolder 2"/>
           <p:cNvSpPr>
             <a:spLocks noGrp="1"/>
           </p:cNvSpPr>
@@ -848,7 +848,7 @@
         <p:spPr>
           <a:xfrm>
             <a:off x="504000" y="1769040"/>
-            <a:ext cx="4426920" cy="2091240"/>
+            <a:ext cx="4426560" cy="2090880"/>
           </a:xfrm>
           <a:prstGeom prst="rect">
             <a:avLst/>
@@ -863,7 +863,7 @@
       </p:sp>
       <p:sp>
         <p:nvSpPr>
-          <p:cNvPr id="16" name="PlaceHolder 3"/>
+          <p:cNvPr id="13" name="PlaceHolder 3"/>
           <p:cNvSpPr>
             <a:spLocks noGrp="1"/>
           </p:cNvSpPr>
@@ -873,8 +873,8 @@
         </p:nvSpPr>
         <p:spPr>
           <a:xfrm>
-            <a:off x="504000" y="4059360"/>
-            <a:ext cx="4426920" cy="2091240"/>
+            <a:off x="504000" y="4059000"/>
+            <a:ext cx="4426560" cy="2090880"/>
           </a:xfrm>
           <a:prstGeom prst="rect">
             <a:avLst/>
@@ -889,7 +889,7 @@
       </p:sp>
       <p:sp>
         <p:nvSpPr>
-          <p:cNvPr id="17" name="PlaceHolder 4"/>
+          <p:cNvPr id="14" name="PlaceHolder 4"/>
           <p:cNvSpPr>
             <a:spLocks noGrp="1"/>
           </p:cNvSpPr>
@@ -899,8 +899,8 @@
         </p:nvSpPr>
         <p:spPr>
           <a:xfrm>
-            <a:off x="5152680" y="1769040"/>
-            <a:ext cx="4426920" cy="4384440"/>
+            <a:off x="5152320" y="1769040"/>
+            <a:ext cx="4426560" cy="4383720"/>
           </a:xfrm>
           <a:prstGeom prst="rect">
             <a:avLst/>
@@ -937,7 +937,7 @@
       </p:grpSpPr>
       <p:sp>
         <p:nvSpPr>
-          <p:cNvPr id="18" name="PlaceHolder 1"/>
+          <p:cNvPr id="15" name="PlaceHolder 1"/>
           <p:cNvSpPr>
             <a:spLocks noGrp="1"/>
           </p:cNvSpPr>
@@ -948,7 +948,7 @@
         <p:spPr>
           <a:xfrm>
             <a:off x="504000" y="301320"/>
-            <a:ext cx="9071640" cy="1262160"/>
+            <a:ext cx="9070920" cy="1261440"/>
           </a:xfrm>
           <a:prstGeom prst="rect">
             <a:avLst/>
@@ -964,7 +964,7 @@
       </p:sp>
       <p:sp>
         <p:nvSpPr>
-          <p:cNvPr id="19" name="PlaceHolder 2"/>
+          <p:cNvPr id="16" name="PlaceHolder 2"/>
           <p:cNvSpPr>
             <a:spLocks noGrp="1"/>
           </p:cNvSpPr>
@@ -975,7 +975,7 @@
         <p:spPr>
           <a:xfrm>
             <a:off x="504000" y="1769040"/>
-            <a:ext cx="4426920" cy="4384440"/>
+            <a:ext cx="4426560" cy="4383720"/>
           </a:xfrm>
           <a:prstGeom prst="rect">
             <a:avLst/>
@@ -990,7 +990,7 @@
       </p:sp>
       <p:sp>
         <p:nvSpPr>
-          <p:cNvPr id="20" name="PlaceHolder 3"/>
+          <p:cNvPr id="17" name="PlaceHolder 3"/>
           <p:cNvSpPr>
             <a:spLocks noGrp="1"/>
           </p:cNvSpPr>
@@ -1000,8 +1000,8 @@
         </p:nvSpPr>
         <p:spPr>
           <a:xfrm>
-            <a:off x="5152680" y="1769040"/>
-            <a:ext cx="4426920" cy="2091240"/>
+            <a:off x="5152320" y="1769040"/>
+            <a:ext cx="4426560" cy="2090880"/>
           </a:xfrm>
           <a:prstGeom prst="rect">
             <a:avLst/>
@@ -1016,7 +1016,7 @@
       </p:sp>
       <p:sp>
         <p:nvSpPr>
-          <p:cNvPr id="21" name="PlaceHolder 4"/>
+          <p:cNvPr id="18" name="PlaceHolder 4"/>
           <p:cNvSpPr>
             <a:spLocks noGrp="1"/>
           </p:cNvSpPr>
@@ -1026,8 +1026,8 @@
         </p:nvSpPr>
         <p:spPr>
           <a:xfrm>
-            <a:off x="5152680" y="4059360"/>
-            <a:ext cx="4426920" cy="2091240"/>
+            <a:off x="5152320" y="4059000"/>
+            <a:ext cx="4426560" cy="2090880"/>
           </a:xfrm>
           <a:prstGeom prst="rect">
             <a:avLst/>
@@ -1064,7 +1064,7 @@
       </p:grpSpPr>
       <p:sp>
         <p:nvSpPr>
-          <p:cNvPr id="22" name="PlaceHolder 1"/>
+          <p:cNvPr id="19" name="PlaceHolder 1"/>
           <p:cNvSpPr>
             <a:spLocks noGrp="1"/>
           </p:cNvSpPr>
@@ -1075,7 +1075,7 @@
         <p:spPr>
           <a:xfrm>
             <a:off x="504000" y="301320"/>
-            <a:ext cx="9071640" cy="1262160"/>
+            <a:ext cx="9070920" cy="1261440"/>
           </a:xfrm>
           <a:prstGeom prst="rect">
             <a:avLst/>
@@ -1091,7 +1091,7 @@
       </p:sp>
       <p:sp>
         <p:nvSpPr>
-          <p:cNvPr id="23" name="PlaceHolder 2"/>
+          <p:cNvPr id="20" name="PlaceHolder 2"/>
           <p:cNvSpPr>
             <a:spLocks noGrp="1"/>
           </p:cNvSpPr>
@@ -1102,7 +1102,7 @@
         <p:spPr>
           <a:xfrm>
             <a:off x="504000" y="1769040"/>
-            <a:ext cx="4426920" cy="2091240"/>
+            <a:ext cx="4426560" cy="2090880"/>
           </a:xfrm>
           <a:prstGeom prst="rect">
             <a:avLst/>
@@ -1117,7 +1117,7 @@
       </p:sp>
       <p:sp>
         <p:nvSpPr>
-          <p:cNvPr id="24" name="PlaceHolder 3"/>
+          <p:cNvPr id="21" name="PlaceHolder 3"/>
           <p:cNvSpPr>
             <a:spLocks noGrp="1"/>
           </p:cNvSpPr>
@@ -1127,8 +1127,8 @@
         </p:nvSpPr>
         <p:spPr>
           <a:xfrm>
-            <a:off x="5152680" y="1769040"/>
-            <a:ext cx="4426920" cy="2091240"/>
+            <a:off x="5152320" y="1769040"/>
+            <a:ext cx="4426560" cy="2090880"/>
           </a:xfrm>
           <a:prstGeom prst="rect">
             <a:avLst/>
@@ -1143,7 +1143,7 @@
       </p:sp>
       <p:sp>
         <p:nvSpPr>
-          <p:cNvPr id="25" name="PlaceHolder 4"/>
+          <p:cNvPr id="22" name="PlaceHolder 4"/>
           <p:cNvSpPr>
             <a:spLocks noGrp="1"/>
           </p:cNvSpPr>
@@ -1153,8 +1153,8 @@
         </p:nvSpPr>
         <p:spPr>
           <a:xfrm>
-            <a:off x="504000" y="4059360"/>
-            <a:ext cx="9071640" cy="2091240"/>
+            <a:off x="504000" y="4059000"/>
+            <a:ext cx="9070920" cy="2090880"/>
           </a:xfrm>
           <a:prstGeom prst="rect">
             <a:avLst/>
@@ -1202,7 +1202,7 @@
         <p:spPr>
           <a:xfrm>
             <a:off x="504000" y="301320"/>
-            <a:ext cx="9071640" cy="1262160"/>
+            <a:ext cx="9070920" cy="1261440"/>
           </a:xfrm>
           <a:prstGeom prst="rect">
             <a:avLst/>
@@ -1212,12 +1212,6 @@
           <a:bodyPr lIns="0" rIns="0" tIns="0" bIns="0" anchor="ctr"/>
           <a:p>
             <a:pPr algn="ctr"/>
-            <a:r>
-              <a:rPr lang="en-AU" sz="4400">
-                <a:latin typeface="Arial"/>
-              </a:rPr>
-              <a:t>Click to edit the title text format</a:t>
-            </a:r>
             <a:endParaRPr/>
           </a:p>
         </p:txBody>
@@ -1235,7 +1229,7 @@
         <p:spPr>
           <a:xfrm>
             <a:off x="504000" y="1769040"/>
-            <a:ext cx="9071640" cy="4384440"/>
+            <a:ext cx="9070920" cy="4383720"/>
           </a:xfrm>
           <a:prstGeom prst="rect">
             <a:avLst/>
@@ -1250,7 +1244,7 @@
               <a:buChar char=""/>
             </a:pPr>
             <a:r>
-              <a:rPr lang="en-AU" sz="3200">
+              <a:rPr lang="en-AU">
                 <a:latin typeface="Arial"/>
               </a:rPr>
               <a:t>Click to edit the outline text format</a:t>
@@ -1264,7 +1258,7 @@
               <a:buChar char=""/>
             </a:pPr>
             <a:r>
-              <a:rPr lang="en-AU" sz="2800">
+              <a:rPr lang="en-AU">
                 <a:latin typeface="Arial"/>
               </a:rPr>
               <a:t>Second Outline Level</a:t>
@@ -1278,7 +1272,7 @@
               <a:buChar char=""/>
             </a:pPr>
             <a:r>
-              <a:rPr lang="en-AU" sz="2400">
+              <a:rPr lang="en-AU">
                 <a:latin typeface="Arial"/>
               </a:rPr>
               <a:t>Third Outline Level</a:t>
@@ -1292,7 +1286,7 @@
               <a:buChar char=""/>
             </a:pPr>
             <a:r>
-              <a:rPr lang="en-AU" sz="2000">
+              <a:rPr lang="en-AU">
                 <a:latin typeface="Arial"/>
               </a:rPr>
               <a:t>Fourth Outline Level</a:t>
@@ -1306,7 +1300,7 @@
               <a:buChar char=""/>
             </a:pPr>
             <a:r>
-              <a:rPr lang="en-AU" sz="2000">
+              <a:rPr lang="en-AU">
                 <a:latin typeface="Arial"/>
               </a:rPr>
               <a:t>Fifth Outline Level</a:t>
@@ -1320,7 +1314,7 @@
               <a:buChar char=""/>
             </a:pPr>
             <a:r>
-              <a:rPr lang="en-AU" sz="2000">
+              <a:rPr lang="en-AU">
                 <a:latin typeface="Arial"/>
               </a:rPr>
               <a:t>Sixth Outline Level</a:t>
@@ -1334,109 +1328,11 @@
               <a:buChar char=""/>
             </a:pPr>
             <a:r>
-              <a:rPr lang="en-AU" sz="2000">
+              <a:rPr lang="en-AU">
                 <a:latin typeface="Arial"/>
               </a:rPr>
               <a:t>Seventh Outline Level</a:t>
             </a:r>
-            <a:endParaRPr/>
-          </a:p>
-        </p:txBody>
-      </p:sp>
-      <p:sp>
-        <p:nvSpPr>
-          <p:cNvPr id="2" name="PlaceHolder 3"/>
-          <p:cNvSpPr>
-            <a:spLocks noGrp="1"/>
-          </p:cNvSpPr>
-          <p:nvPr>
-            <p:ph type="dt"/>
-          </p:nvPr>
-        </p:nvSpPr>
-        <p:spPr>
-          <a:xfrm>
-            <a:off x="504000" y="6887160"/>
-            <a:ext cx="2348280" cy="521280"/>
-          </a:xfrm>
-          <a:prstGeom prst="rect">
-            <a:avLst/>
-          </a:prstGeom>
-        </p:spPr>
-        <p:txBody>
-          <a:bodyPr lIns="0" rIns="0" tIns="0" bIns="0"/>
-          <a:p>
-            <a:r>
-              <a:rPr lang="en-AU" sz="1400">
-                <a:latin typeface="Times New Roman"/>
-              </a:rPr>
-              <a:t>&lt;date/time&gt;</a:t>
-            </a:r>
-            <a:endParaRPr/>
-          </a:p>
-        </p:txBody>
-      </p:sp>
-      <p:sp>
-        <p:nvSpPr>
-          <p:cNvPr id="3" name="PlaceHolder 4"/>
-          <p:cNvSpPr>
-            <a:spLocks noGrp="1"/>
-          </p:cNvSpPr>
-          <p:nvPr>
-            <p:ph type="ftr"/>
-          </p:nvPr>
-        </p:nvSpPr>
-        <p:spPr>
-          <a:xfrm>
-            <a:off x="3447360" y="6887160"/>
-            <a:ext cx="3195000" cy="521280"/>
-          </a:xfrm>
-          <a:prstGeom prst="rect">
-            <a:avLst/>
-          </a:prstGeom>
-        </p:spPr>
-        <p:txBody>
-          <a:bodyPr lIns="0" rIns="0" tIns="0" bIns="0"/>
-          <a:p>
-            <a:pPr algn="ctr"/>
-            <a:r>
-              <a:rPr lang="en-AU" sz="1400">
-                <a:latin typeface="Times New Roman"/>
-              </a:rPr>
-              <a:t>&lt;footer&gt;</a:t>
-            </a:r>
-            <a:endParaRPr/>
-          </a:p>
-        </p:txBody>
-      </p:sp>
-      <p:sp>
-        <p:nvSpPr>
-          <p:cNvPr id="4" name="PlaceHolder 5"/>
-          <p:cNvSpPr>
-            <a:spLocks noGrp="1"/>
-          </p:cNvSpPr>
-          <p:nvPr>
-            <p:ph type="sldNum"/>
-          </p:nvPr>
-        </p:nvSpPr>
-        <p:spPr>
-          <a:xfrm>
-            <a:off x="7227360" y="6887160"/>
-            <a:ext cx="2348280" cy="521280"/>
-          </a:xfrm>
-          <a:prstGeom prst="rect">
-            <a:avLst/>
-          </a:prstGeom>
-        </p:spPr>
-        <p:txBody>
-          <a:bodyPr lIns="0" rIns="0" tIns="0" bIns="0"/>
-          <a:p>
-            <a:pPr algn="r"/>
-            <a:fld id="{F28F4390-2056-4E3E-AFF5-D82F468538AA}" type="slidenum">
-              <a:rPr lang="en-AU" sz="1400">
-                <a:latin typeface="Times New Roman"/>
-              </a:rPr>
-              <a:t>&lt;number&gt;</a:t>
-            </a:fld>
             <a:endParaRPr/>
           </a:p>
         </p:txBody>
@@ -1480,14 +1376,14 @@
       </p:grpSpPr>
       <p:sp>
         <p:nvSpPr>
-          <p:cNvPr id="39" name="TextShape 1"/>
-          <p:cNvSpPr txBox="1"/>
+          <p:cNvPr id="36" name="CustomShape 1"/>
+          <p:cNvSpPr/>
           <p:nvPr/>
         </p:nvSpPr>
         <p:spPr>
           <a:xfrm>
             <a:off x="504000" y="301320"/>
-            <a:ext cx="9071640" cy="1262160"/>
+            <a:ext cx="9070920" cy="1261440"/>
           </a:xfrm>
           <a:prstGeom prst="rect">
             <a:avLst/>
@@ -1497,13 +1393,27 @@
             <a:noFill/>
           </a:ln>
         </p:spPr>
+        <p:style>
+          <a:lnRef idx="0"/>
+          <a:fillRef idx="0"/>
+          <a:effectRef idx="0"/>
+          <a:fontRef idx="minor"/>
+        </p:style>
         <p:txBody>
           <a:bodyPr lIns="0" rIns="0" tIns="0" bIns="0" anchor="ctr"/>
           <a:p>
-            <a:pPr algn="ctr"/>
-            <a:r>
-              <a:rPr lang="en-AU" sz="4800">
-                <a:latin typeface="Arial"/>
+            <a:pPr algn="ctr">
+              <a:lnSpc>
+                <a:spcPct val="100000"/>
+              </a:lnSpc>
+            </a:pPr>
+            <a:r>
+              <a:rPr lang="en-AU" sz="4800" strike="noStrike">
+                <a:solidFill>
+                  <a:srgbClr val="000000"/>
+                </a:solidFill>
+                <a:latin typeface="Arial"/>
+                <a:ea typeface="DejaVu Sans"/>
               </a:rPr>
               <a:t>Shared Responsibility Model</a:t>
             </a:r>
@@ -1513,14 +1423,14 @@
       </p:sp>
       <p:sp>
         <p:nvSpPr>
-          <p:cNvPr id="40" name="TextShape 2"/>
-          <p:cNvSpPr txBox="1"/>
+          <p:cNvPr id="37" name="CustomShape 2"/>
+          <p:cNvSpPr/>
           <p:nvPr/>
         </p:nvSpPr>
         <p:spPr>
           <a:xfrm>
             <a:off x="504000" y="1769040"/>
-            <a:ext cx="9071640" cy="4384440"/>
+            <a:ext cx="9070920" cy="4383720"/>
           </a:xfrm>
           <a:prstGeom prst="rect">
             <a:avLst/>
@@ -1530,17 +1440,30 @@
             <a:noFill/>
           </a:ln>
         </p:spPr>
+        <p:style>
+          <a:lnRef idx="0"/>
+          <a:fillRef idx="0"/>
+          <a:effectRef idx="0"/>
+          <a:fontRef idx="minor"/>
+        </p:style>
         <p:txBody>
           <a:bodyPr lIns="0" rIns="0" tIns="0" bIns="0" anchor="ctr"/>
           <a:p>
             <a:pPr>
+              <a:lnSpc>
+                <a:spcPct val="100000"/>
+              </a:lnSpc>
               <a:buSzPct val="45000"/>
               <a:buFont typeface="StarSymbol"/>
-              <a:buChar char=""/>
-            </a:pPr>
-            <a:r>
-              <a:rPr lang="en-AU" sz="3600">
-                <a:latin typeface="Arial"/>
+              <a:buChar char="l"/>
+            </a:pPr>
+            <a:r>
+              <a:rPr lang="en-AU" sz="3600" strike="noStrike">
+                <a:solidFill>
+                  <a:srgbClr val="000000"/>
+                </a:solidFill>
+                <a:latin typeface="Arial"/>
+                <a:ea typeface="DejaVu Sans"/>
               </a:rPr>
               <a:t>NeCTAR look after the cloud</a:t>
             </a:r>
@@ -1548,19 +1471,30 @@
           </a:p>
           <a:p>
             <a:pPr>
+              <a:lnSpc>
+                <a:spcPct val="100000"/>
+              </a:lnSpc>
               <a:buSzPct val="45000"/>
               <a:buFont typeface="StarSymbol"/>
-              <a:buChar char=""/>
-            </a:pPr>
-            <a:r>
-              <a:rPr b="1" lang="en-AU" sz="3600">
-                <a:latin typeface="Arial"/>
+              <a:buChar char="l"/>
+            </a:pPr>
+            <a:r>
+              <a:rPr b="1" lang="en-AU" sz="3600" strike="noStrike">
+                <a:solidFill>
+                  <a:srgbClr val="000000"/>
+                </a:solidFill>
+                <a:latin typeface="Arial"/>
+                <a:ea typeface="DejaVu Sans"/>
               </a:rPr>
               <a:t>You</a:t>
             </a:r>
             <a:r>
-              <a:rPr lang="en-AU" sz="3600">
-                <a:latin typeface="Arial"/>
+              <a:rPr lang="en-AU" sz="3600" strike="noStrike">
+                <a:solidFill>
+                  <a:srgbClr val="000000"/>
+                </a:solidFill>
+                <a:latin typeface="Arial"/>
+                <a:ea typeface="DejaVu Sans"/>
               </a:rPr>
               <a:t> look after the stuff you put in that cloud</a:t>
             </a:r>
@@ -1619,14 +1553,14 @@
       </p:grpSpPr>
       <p:sp>
         <p:nvSpPr>
-          <p:cNvPr id="41" name="TextShape 1"/>
-          <p:cNvSpPr txBox="1"/>
+          <p:cNvPr id="38" name="CustomShape 1"/>
+          <p:cNvSpPr/>
           <p:nvPr/>
         </p:nvSpPr>
         <p:spPr>
           <a:xfrm>
             <a:off x="504000" y="301320"/>
-            <a:ext cx="9071640" cy="1262160"/>
+            <a:ext cx="9070920" cy="1261440"/>
           </a:xfrm>
           <a:prstGeom prst="rect">
             <a:avLst/>
@@ -1636,13 +1570,27 @@
             <a:noFill/>
           </a:ln>
         </p:spPr>
+        <p:style>
+          <a:lnRef idx="0"/>
+          <a:fillRef idx="0"/>
+          <a:effectRef idx="0"/>
+          <a:fontRef idx="minor"/>
+        </p:style>
         <p:txBody>
           <a:bodyPr lIns="0" rIns="0" tIns="0" bIns="0" anchor="ctr"/>
           <a:p>
-            <a:pPr algn="ctr"/>
-            <a:r>
-              <a:rPr lang="en-AU" sz="4800">
-                <a:latin typeface="Arial"/>
+            <a:pPr algn="ctr">
+              <a:lnSpc>
+                <a:spcPct val="100000"/>
+              </a:lnSpc>
+            </a:pPr>
+            <a:r>
+              <a:rPr lang="en-AU" sz="4800" strike="noStrike">
+                <a:solidFill>
+                  <a:srgbClr val="000000"/>
+                </a:solidFill>
+                <a:latin typeface="Arial"/>
+                <a:ea typeface="DejaVu Sans"/>
               </a:rPr>
               <a:t>Exercise 1</a:t>
             </a:r>
@@ -1652,14 +1600,14 @@
       </p:sp>
       <p:sp>
         <p:nvSpPr>
-          <p:cNvPr id="42" name="TextShape 2"/>
-          <p:cNvSpPr txBox="1"/>
+          <p:cNvPr id="39" name="CustomShape 2"/>
+          <p:cNvSpPr/>
           <p:nvPr/>
         </p:nvSpPr>
         <p:spPr>
           <a:xfrm>
             <a:off x="504000" y="1769040"/>
-            <a:ext cx="9071640" cy="4384440"/>
+            <a:ext cx="9070920" cy="4383720"/>
           </a:xfrm>
           <a:prstGeom prst="rect">
             <a:avLst/>
@@ -1669,36 +1617,63 @@
             <a:noFill/>
           </a:ln>
         </p:spPr>
+        <p:style>
+          <a:lnRef idx="0"/>
+          <a:fillRef idx="0"/>
+          <a:effectRef idx="0"/>
+          <a:fontRef idx="minor"/>
+        </p:style>
         <p:txBody>
           <a:bodyPr lIns="0" rIns="0" tIns="0" bIns="0" anchor="ctr"/>
           <a:p>
-            <a:pPr algn="ctr"/>
-            <a:r>
-              <a:rPr lang="en-AU" sz="3600">
-                <a:latin typeface="Arial"/>
+            <a:pPr algn="ctr">
+              <a:lnSpc>
+                <a:spcPct val="100000"/>
+              </a:lnSpc>
+            </a:pPr>
+            <a:r>
+              <a:rPr lang="en-AU" sz="3600" strike="noStrike">
+                <a:solidFill>
+                  <a:srgbClr val="000000"/>
+                </a:solidFill>
+                <a:latin typeface="Arial"/>
+                <a:ea typeface="DejaVu Sans"/>
               </a:rPr>
               <a:t>Install and run firefox on your server.</a:t>
             </a:r>
             <a:endParaRPr/>
           </a:p>
           <a:p>
-            <a:pPr algn="ctr"/>
-            <a:r>
-              <a:rPr lang="en-AU" sz="3600">
-                <a:latin typeface="Arial"/>
+            <a:pPr algn="ctr">
+              <a:lnSpc>
+                <a:spcPct val="100000"/>
+              </a:lnSpc>
+            </a:pPr>
+            <a:r>
+              <a:rPr lang="en-AU" sz="3600" strike="noStrike">
+                <a:solidFill>
+                  <a:srgbClr val="000000"/>
+                </a:solidFill>
+                <a:latin typeface="Arial"/>
+                <a:ea typeface="DejaVu Sans"/>
               </a:rPr>
               <a:t>Go to:</a:t>
             </a:r>
             <a:endParaRPr/>
           </a:p>
           <a:p>
-            <a:pPr algn="ctr"/>
-            <a:r>
-              <a:rPr lang="en-AU" sz="3600">
+            <a:pPr algn="ctr">
+              <a:lnSpc>
+                <a:spcPct val="100000"/>
+              </a:lnSpc>
+            </a:pPr>
+            <a:r>
+              <a:rPr lang="en-AU" sz="3600" strike="noStrike">
                 <a:solidFill>
                   <a:srgbClr val="0000ff"/>
                 </a:solidFill>
                 <a:latin typeface="Arial"/>
+                <a:ea typeface="DejaVu Sans"/>
               </a:rPr>
               <a:t>https://www.grc.com/shieldsup</a:t>
             </a:r>
@@ -1757,14 +1732,14 @@
       </p:grpSpPr>
       <p:sp>
         <p:nvSpPr>
-          <p:cNvPr id="43" name="TextShape 1"/>
-          <p:cNvSpPr txBox="1"/>
+          <p:cNvPr id="40" name="CustomShape 1"/>
+          <p:cNvSpPr/>
           <p:nvPr/>
         </p:nvSpPr>
         <p:spPr>
           <a:xfrm>
             <a:off x="504000" y="301320"/>
-            <a:ext cx="9071640" cy="1262160"/>
+            <a:ext cx="9070920" cy="1261440"/>
           </a:xfrm>
           <a:prstGeom prst="rect">
             <a:avLst/>
@@ -1774,13 +1749,27 @@
             <a:noFill/>
           </a:ln>
         </p:spPr>
+        <p:style>
+          <a:lnRef idx="0"/>
+          <a:fillRef idx="0"/>
+          <a:effectRef idx="0"/>
+          <a:fontRef idx="minor"/>
+        </p:style>
         <p:txBody>
           <a:bodyPr lIns="0" rIns="0" tIns="0" bIns="0" anchor="ctr"/>
           <a:p>
-            <a:pPr algn="ctr"/>
-            <a:r>
-              <a:rPr lang="en-AU" sz="4800">
-                <a:latin typeface="Arial"/>
+            <a:pPr algn="ctr">
+              <a:lnSpc>
+                <a:spcPct val="100000"/>
+              </a:lnSpc>
+            </a:pPr>
+            <a:r>
+              <a:rPr lang="en-AU" sz="4800" strike="noStrike">
+                <a:solidFill>
+                  <a:srgbClr val="000000"/>
+                </a:solidFill>
+                <a:latin typeface="Arial"/>
+                <a:ea typeface="DejaVu Sans"/>
               </a:rPr>
               <a:t>Be paranoid!</a:t>
             </a:r>
@@ -1790,14 +1779,14 @@
       </p:sp>
       <p:sp>
         <p:nvSpPr>
-          <p:cNvPr id="44" name="TextShape 2"/>
-          <p:cNvSpPr txBox="1"/>
+          <p:cNvPr id="41" name="CustomShape 2"/>
+          <p:cNvSpPr/>
           <p:nvPr/>
         </p:nvSpPr>
         <p:spPr>
           <a:xfrm>
             <a:off x="504000" y="1769040"/>
-            <a:ext cx="9071640" cy="4384440"/>
+            <a:ext cx="9070920" cy="4383720"/>
           </a:xfrm>
           <a:prstGeom prst="rect">
             <a:avLst/>
@@ -1807,47 +1796,70 @@
             <a:noFill/>
           </a:ln>
         </p:spPr>
+        <p:style>
+          <a:lnRef idx="0"/>
+          <a:fillRef idx="0"/>
+          <a:effectRef idx="0"/>
+          <a:fontRef idx="minor"/>
+        </p:style>
         <p:txBody>
           <a:bodyPr lIns="0" rIns="0" tIns="0" bIns="0" anchor="ctr"/>
           <a:p>
-            <a:pPr algn="ctr"/>
-            <a:r>
-              <a:rPr i="1" lang="en-AU" sz="3600">
+            <a:r>
+              <a:rPr i="1" lang="en-AU" sz="3600" strike="noStrike">
                 <a:solidFill>
                   <a:srgbClr val="808080"/>
                 </a:solidFill>
                 <a:latin typeface="Arial"/>
+                <a:ea typeface="DejaVu Sans"/>
               </a:rPr>
               <a:t>“</a:t>
             </a:r>
             <a:r>
-              <a:rPr i="1" lang="en-AU" sz="3600">
+              <a:rPr i="1" lang="en-AU" sz="3600" strike="noStrike">
                 <a:solidFill>
                   <a:srgbClr val="808080"/>
                 </a:solidFill>
                 <a:latin typeface="Arial"/>
-              </a:rPr>
-              <a:t>Paranoid? Probably. But just because you're paranoid doesn't mean there isn't an invisible demon about to eat your face.” </a:t>
-            </a:r>
-            <a:endParaRPr/>
-          </a:p>
-          <a:p>
-            <a:pPr algn="ctr"/>
-            <a:endParaRPr/>
-          </a:p>
-          <a:p>
-            <a:pPr algn="r"/>
-            <a:r>
-              <a:rPr lang="en-AU" sz="3600">
-                <a:latin typeface="Arial"/>
+                <a:ea typeface="DejaVu Sans"/>
+              </a:rPr>
+              <a:t>Just because you're paranoid, don't mean they're not after you” </a:t>
+            </a:r>
+            <a:endParaRPr/>
+          </a:p>
+          <a:p>
+            <a:pPr algn="ctr">
+              <a:lnSpc>
+                <a:spcPct val="100000"/>
+              </a:lnSpc>
+            </a:pPr>
+            <a:endParaRPr/>
+          </a:p>
+          <a:p>
+            <a:pPr algn="r">
+              <a:lnSpc>
+                <a:spcPct val="100000"/>
+              </a:lnSpc>
+            </a:pPr>
+            <a:r>
+              <a:rPr lang="en-AU" sz="3600" strike="noStrike">
+                <a:solidFill>
+                  <a:srgbClr val="808080"/>
+                </a:solidFill>
+                <a:latin typeface="Arial"/>
+                <a:ea typeface="DejaVu Sans"/>
               </a:rPr>
               <a:t>― </a:t>
             </a:r>
             <a:r>
-              <a:rPr lang="en-AU" sz="3600">
-                <a:latin typeface="Arial"/>
-              </a:rPr>
-              <a:t>Jim Butcher, Storm Front</a:t>
+              <a:rPr lang="en-AU" sz="3600" strike="noStrike">
+                <a:solidFill>
+                  <a:srgbClr val="808080"/>
+                </a:solidFill>
+                <a:latin typeface="Arial"/>
+                <a:ea typeface="DejaVu Sans"/>
+              </a:rPr>
+              <a:t>Nirvana, Territorial Pissings</a:t>
             </a:r>
             <a:endParaRPr/>
           </a:p>
@@ -1904,14 +1916,14 @@
       </p:grpSpPr>
       <p:sp>
         <p:nvSpPr>
-          <p:cNvPr id="45" name="TextShape 1"/>
-          <p:cNvSpPr txBox="1"/>
+          <p:cNvPr id="42" name="CustomShape 1"/>
+          <p:cNvSpPr/>
           <p:nvPr/>
         </p:nvSpPr>
         <p:spPr>
           <a:xfrm>
             <a:off x="504000" y="301320"/>
-            <a:ext cx="9071640" cy="1262160"/>
+            <a:ext cx="9070920" cy="1261440"/>
           </a:xfrm>
           <a:prstGeom prst="rect">
             <a:avLst/>
@@ -1921,13 +1933,27 @@
             <a:noFill/>
           </a:ln>
         </p:spPr>
+        <p:style>
+          <a:lnRef idx="0"/>
+          <a:fillRef idx="0"/>
+          <a:effectRef idx="0"/>
+          <a:fontRef idx="minor"/>
+        </p:style>
         <p:txBody>
           <a:bodyPr lIns="0" rIns="0" tIns="0" bIns="0" anchor="ctr"/>
           <a:p>
-            <a:pPr algn="ctr"/>
-            <a:r>
-              <a:rPr lang="en-AU" sz="4800">
-                <a:latin typeface="Arial"/>
+            <a:pPr algn="ctr">
+              <a:lnSpc>
+                <a:spcPct val="100000"/>
+              </a:lnSpc>
+            </a:pPr>
+            <a:r>
+              <a:rPr lang="en-AU" sz="4800" strike="noStrike">
+                <a:solidFill>
+                  <a:srgbClr val="000000"/>
+                </a:solidFill>
+                <a:latin typeface="Arial"/>
+                <a:ea typeface="DejaVu Sans"/>
               </a:rPr>
               <a:t>Be prepared!</a:t>
             </a:r>
@@ -1937,14 +1963,14 @@
       </p:sp>
       <p:sp>
         <p:nvSpPr>
-          <p:cNvPr id="46" name="TextShape 2"/>
-          <p:cNvSpPr txBox="1"/>
+          <p:cNvPr id="43" name="CustomShape 2"/>
+          <p:cNvSpPr/>
           <p:nvPr/>
         </p:nvSpPr>
         <p:spPr>
           <a:xfrm>
             <a:off x="720000" y="1303560"/>
-            <a:ext cx="9071640" cy="4384440"/>
+            <a:ext cx="9070920" cy="4383720"/>
           </a:xfrm>
           <a:prstGeom prst="rect">
             <a:avLst/>
@@ -1954,12 +1980,22 @@
             <a:noFill/>
           </a:ln>
         </p:spPr>
+        <p:style>
+          <a:lnRef idx="0"/>
+          <a:fillRef idx="0"/>
+          <a:effectRef idx="0"/>
+          <a:fontRef idx="minor"/>
+        </p:style>
         <p:txBody>
           <a:bodyPr lIns="0" rIns="0" tIns="0" bIns="0" anchor="ctr"/>
           <a:p>
             <a:r>
-              <a:rPr lang="en-AU" sz="3600">
-                <a:latin typeface="Arial"/>
+              <a:rPr lang="en-AU" sz="3600" strike="noStrike">
+                <a:solidFill>
+                  <a:srgbClr val="000000"/>
+                </a:solidFill>
+                <a:latin typeface="Arial"/>
+                <a:ea typeface="DejaVu Sans"/>
               </a:rPr>
               <a:t>A good scout always:</a:t>
             </a:r>
@@ -1967,18 +2003,29 @@
           </a:p>
           <a:p>
             <a:pPr>
+              <a:lnSpc>
+                <a:spcPct val="100000"/>
+              </a:lnSpc>
               <a:buFont typeface="StarSymbol"/>
               <a:buAutoNum type="arabicParenR"/>
             </a:pPr>
             <a:r>
-              <a:rPr lang="en-AU" sz="3600">
-                <a:latin typeface="Arial"/>
+              <a:rPr lang="en-AU" sz="3600" strike="noStrike">
+                <a:solidFill>
+                  <a:srgbClr val="000000"/>
+                </a:solidFill>
+                <a:latin typeface="Arial"/>
+                <a:ea typeface="DejaVu Sans"/>
               </a:rPr>
               <a:t> </a:t>
             </a:r>
             <a:r>
-              <a:rPr lang="en-AU" sz="3600">
-                <a:latin typeface="Arial"/>
+              <a:rPr lang="en-AU" sz="3600" strike="noStrike">
+                <a:solidFill>
+                  <a:srgbClr val="000000"/>
+                </a:solidFill>
+                <a:latin typeface="Arial"/>
+                <a:ea typeface="DejaVu Sans"/>
               </a:rPr>
               <a:t>Knows what's the worst that can happen</a:t>
             </a:r>
@@ -1986,12 +2033,19 @@
           </a:p>
           <a:p>
             <a:pPr>
+              <a:lnSpc>
+                <a:spcPct val="100000"/>
+              </a:lnSpc>
               <a:buFont typeface="StarSymbol"/>
               <a:buAutoNum type="arabicParenR"/>
             </a:pPr>
             <a:r>
-              <a:rPr lang="en-AU" sz="3600">
-                <a:latin typeface="Arial"/>
+              <a:rPr lang="en-AU" sz="3600" strike="noStrike">
+                <a:solidFill>
+                  <a:srgbClr val="000000"/>
+                </a:solidFill>
+                <a:latin typeface="Arial"/>
+                <a:ea typeface="DejaVu Sans"/>
               </a:rPr>
               <a:t>Takes steps to contain the fallout</a:t>
             </a:r>
@@ -1999,18 +2053,29 @@
           </a:p>
           <a:p>
             <a:pPr>
+              <a:lnSpc>
+                <a:spcPct val="100000"/>
+              </a:lnSpc>
               <a:buFont typeface="StarSymbol"/>
               <a:buAutoNum type="arabicParenR"/>
             </a:pPr>
             <a:r>
-              <a:rPr lang="en-AU" sz="3600">
-                <a:latin typeface="Arial"/>
+              <a:rPr lang="en-AU" sz="3600" strike="noStrike">
+                <a:solidFill>
+                  <a:srgbClr val="000000"/>
+                </a:solidFill>
+                <a:latin typeface="Arial"/>
+                <a:ea typeface="DejaVu Sans"/>
               </a:rPr>
               <a:t> </a:t>
             </a:r>
             <a:r>
-              <a:rPr lang="en-AU" sz="3600">
-                <a:latin typeface="Arial"/>
+              <a:rPr lang="en-AU" sz="3600" strike="noStrike">
+                <a:solidFill>
+                  <a:srgbClr val="000000"/>
+                </a:solidFill>
+                <a:latin typeface="Arial"/>
+                <a:ea typeface="DejaVu Sans"/>
               </a:rPr>
               <a:t>Knows what do in an emergency</a:t>
             </a:r>
@@ -2018,18 +2083,29 @@
           </a:p>
           <a:p>
             <a:pPr>
+              <a:lnSpc>
+                <a:spcPct val="100000"/>
+              </a:lnSpc>
               <a:buFont typeface="StarSymbol"/>
               <a:buAutoNum type="arabicParenR"/>
             </a:pPr>
             <a:r>
-              <a:rPr lang="en-AU" sz="3600">
-                <a:latin typeface="Arial"/>
+              <a:rPr lang="en-AU" sz="3600" strike="noStrike">
+                <a:solidFill>
+                  <a:srgbClr val="000000"/>
+                </a:solidFill>
+                <a:latin typeface="Arial"/>
+                <a:ea typeface="DejaVu Sans"/>
               </a:rPr>
               <a:t> </a:t>
             </a:r>
             <a:r>
-              <a:rPr lang="en-AU" sz="3600">
-                <a:latin typeface="Arial"/>
+              <a:rPr lang="en-AU" sz="3600" strike="noStrike">
+                <a:solidFill>
+                  <a:srgbClr val="000000"/>
+                </a:solidFill>
+                <a:latin typeface="Arial"/>
+                <a:ea typeface="DejaVu Sans"/>
               </a:rPr>
               <a:t>Makes sure they have a first aid kit</a:t>
             </a:r>
@@ -2088,14 +2164,14 @@
       </p:grpSpPr>
       <p:sp>
         <p:nvSpPr>
-          <p:cNvPr id="47" name="TextShape 1"/>
-          <p:cNvSpPr txBox="1"/>
+          <p:cNvPr id="44" name="CustomShape 1"/>
+          <p:cNvSpPr/>
           <p:nvPr/>
         </p:nvSpPr>
         <p:spPr>
           <a:xfrm>
             <a:off x="504000" y="301320"/>
-            <a:ext cx="9071640" cy="1262160"/>
+            <a:ext cx="9070920" cy="1261440"/>
           </a:xfrm>
           <a:prstGeom prst="rect">
             <a:avLst/>
@@ -2105,13 +2181,27 @@
             <a:noFill/>
           </a:ln>
         </p:spPr>
+        <p:style>
+          <a:lnRef idx="0"/>
+          <a:fillRef idx="0"/>
+          <a:effectRef idx="0"/>
+          <a:fontRef idx="minor"/>
+        </p:style>
         <p:txBody>
           <a:bodyPr lIns="0" rIns="0" tIns="0" bIns="0" anchor="ctr"/>
           <a:p>
-            <a:pPr algn="ctr"/>
-            <a:r>
-              <a:rPr lang="en-AU" sz="4800">
-                <a:latin typeface="Arial"/>
+            <a:pPr algn="ctr">
+              <a:lnSpc>
+                <a:spcPct val="100000"/>
+              </a:lnSpc>
+            </a:pPr>
+            <a:r>
+              <a:rPr lang="en-AU" sz="4800" strike="noStrike">
+                <a:solidFill>
+                  <a:srgbClr val="000000"/>
+                </a:solidFill>
+                <a:latin typeface="Arial"/>
+                <a:ea typeface="DejaVu Sans"/>
               </a:rPr>
               <a:t>Exercise 2 </a:t>
             </a:r>
@@ -2121,14 +2211,14 @@
       </p:sp>
       <p:sp>
         <p:nvSpPr>
-          <p:cNvPr id="48" name="TextShape 2"/>
-          <p:cNvSpPr txBox="1"/>
+          <p:cNvPr id="45" name="CustomShape 2"/>
+          <p:cNvSpPr/>
           <p:nvPr/>
         </p:nvSpPr>
         <p:spPr>
           <a:xfrm>
             <a:off x="648360" y="1080000"/>
-            <a:ext cx="9071640" cy="4384440"/>
+            <a:ext cx="9070920" cy="4383720"/>
           </a:xfrm>
           <a:prstGeom prst="rect">
             <a:avLst/>
@@ -2138,6 +2228,12 @@
             <a:noFill/>
           </a:ln>
         </p:spPr>
+        <p:style>
+          <a:lnRef idx="0"/>
+          <a:fillRef idx="0"/>
+          <a:effectRef idx="0"/>
+          <a:fontRef idx="minor"/>
+        </p:style>
         <p:txBody>
           <a:bodyPr lIns="0" rIns="0" tIns="0" bIns="0" anchor="ctr"/>
           <a:p>
@@ -2145,8 +2241,12 @@
           </a:p>
           <a:p>
             <a:r>
-              <a:rPr lang="en-AU" sz="3600">
-                <a:latin typeface="Arial"/>
+              <a:rPr lang="en-AU" sz="3600" strike="noStrike">
+                <a:solidFill>
+                  <a:srgbClr val="000000"/>
+                </a:solidFill>
+                <a:latin typeface="Arial"/>
+                <a:ea typeface="DejaVu Sans"/>
               </a:rPr>
               <a:t>Remove ssh from the security group on your VM</a:t>
             </a:r>
@@ -2154,8 +2254,12 @@
           </a:p>
           <a:p>
             <a:r>
-              <a:rPr lang="en-AU" sz="3600">
-                <a:latin typeface="Arial"/>
+              <a:rPr lang="en-AU" sz="3600" strike="noStrike">
+                <a:solidFill>
+                  <a:srgbClr val="000000"/>
+                </a:solidFill>
+                <a:latin typeface="Arial"/>
+                <a:ea typeface="DejaVu Sans"/>
               </a:rPr>
               <a:t>Try to ssh in – and fail!</a:t>
             </a:r>
@@ -2163,8 +2267,12 @@
           </a:p>
           <a:p>
             <a:r>
-              <a:rPr lang="en-AU" sz="3600">
-                <a:latin typeface="Arial"/>
+              <a:rPr lang="en-AU" sz="3600" strike="noStrike">
+                <a:solidFill>
+                  <a:srgbClr val="000000"/>
+                </a:solidFill>
+                <a:latin typeface="Arial"/>
+                <a:ea typeface="DejaVu Sans"/>
               </a:rPr>
               <a:t>Create a special ssh only security group</a:t>
             </a:r>
@@ -2172,8 +2280,12 @@
           </a:p>
           <a:p>
             <a:r>
-              <a:rPr lang="en-AU" sz="3600">
-                <a:latin typeface="Arial"/>
+              <a:rPr lang="en-AU" sz="3600" strike="noStrike">
+                <a:solidFill>
+                  <a:srgbClr val="000000"/>
+                </a:solidFill>
+                <a:latin typeface="Arial"/>
+                <a:ea typeface="DejaVu Sans"/>
               </a:rPr>
               <a:t>Add it to your running VM</a:t>
             </a:r>
@@ -2181,8 +2293,12 @@
           </a:p>
           <a:p>
             <a:r>
-              <a:rPr lang="en-AU" sz="3600">
-                <a:latin typeface="Arial"/>
+              <a:rPr lang="en-AU" sz="3600" strike="noStrike">
+                <a:solidFill>
+                  <a:srgbClr val="000000"/>
+                </a:solidFill>
+                <a:latin typeface="Arial"/>
+                <a:ea typeface="DejaVu Sans"/>
               </a:rPr>
               <a:t>Try to ssh in: success?</a:t>
             </a:r>
@@ -2241,14 +2357,14 @@
       </p:grpSpPr>
       <p:sp>
         <p:nvSpPr>
-          <p:cNvPr id="49" name="TextShape 1"/>
-          <p:cNvSpPr txBox="1"/>
+          <p:cNvPr id="46" name="CustomShape 1"/>
+          <p:cNvSpPr/>
           <p:nvPr/>
         </p:nvSpPr>
         <p:spPr>
           <a:xfrm>
             <a:off x="504000" y="301320"/>
-            <a:ext cx="9071640" cy="1262160"/>
+            <a:ext cx="9070920" cy="1261440"/>
           </a:xfrm>
           <a:prstGeom prst="rect">
             <a:avLst/>
@@ -2258,13 +2374,27 @@
             <a:noFill/>
           </a:ln>
         </p:spPr>
+        <p:style>
+          <a:lnRef idx="0"/>
+          <a:fillRef idx="0"/>
+          <a:effectRef idx="0"/>
+          <a:fontRef idx="minor"/>
+        </p:style>
         <p:txBody>
           <a:bodyPr lIns="0" rIns="0" tIns="0" bIns="0" anchor="ctr"/>
           <a:p>
-            <a:pPr algn="ctr"/>
-            <a:r>
-              <a:rPr lang="en-AU" sz="4800">
-                <a:latin typeface="Arial"/>
+            <a:pPr algn="ctr">
+              <a:lnSpc>
+                <a:spcPct val="100000"/>
+              </a:lnSpc>
+            </a:pPr>
+            <a:r>
+              <a:rPr lang="en-AU" sz="4800" strike="noStrike">
+                <a:solidFill>
+                  <a:srgbClr val="000000"/>
+                </a:solidFill>
+                <a:latin typeface="Arial"/>
+                <a:ea typeface="DejaVu Sans"/>
               </a:rPr>
               <a:t>Exercise 3 </a:t>
             </a:r>
@@ -2274,14 +2404,14 @@
       </p:sp>
       <p:sp>
         <p:nvSpPr>
-          <p:cNvPr id="50" name="TextShape 2"/>
-          <p:cNvSpPr txBox="1"/>
+          <p:cNvPr id="47" name="CustomShape 2"/>
+          <p:cNvSpPr/>
           <p:nvPr/>
         </p:nvSpPr>
         <p:spPr>
           <a:xfrm>
             <a:off x="648360" y="1080000"/>
-            <a:ext cx="9071640" cy="4384440"/>
+            <a:ext cx="9070920" cy="4383720"/>
           </a:xfrm>
           <a:prstGeom prst="rect">
             <a:avLst/>
@@ -2291,40 +2421,64 @@
             <a:noFill/>
           </a:ln>
         </p:spPr>
+        <p:style>
+          <a:lnRef idx="0"/>
+          <a:fillRef idx="0"/>
+          <a:effectRef idx="0"/>
+          <a:fontRef idx="minor"/>
+        </p:style>
         <p:txBody>
           <a:bodyPr lIns="0" rIns="0" tIns="0" bIns="0" anchor="ctr"/>
           <a:p>
             <a:endParaRPr/>
           </a:p>
           <a:p>
-            <a:pPr algn="ctr"/>
-            <a:r>
-              <a:rPr lang="en-AU" sz="3200">
+            <a:pPr algn="ctr">
+              <a:lnSpc>
+                <a:spcPct val="100000"/>
+              </a:lnSpc>
+            </a:pPr>
+            <a:r>
+              <a:rPr lang="en-AU" sz="3200" strike="noStrike">
                 <a:solidFill>
                   <a:srgbClr val="000000"/>
                 </a:solidFill>
                 <a:latin typeface="Arial"/>
+                <a:ea typeface="DejaVu Sans"/>
               </a:rPr>
               <a:t>Enable automatic updates</a:t>
             </a:r>
             <a:endParaRPr/>
           </a:p>
           <a:p>
-            <a:pPr algn="ctr"/>
-            <a:endParaRPr/>
-          </a:p>
-          <a:p>
-            <a:pPr algn="ctr"/>
-            <a:endParaRPr/>
-          </a:p>
-          <a:p>
-            <a:pPr algn="ctr"/>
-            <a:r>
-              <a:rPr lang="en-AU" sz="2800">
+            <a:pPr algn="ctr">
+              <a:lnSpc>
+                <a:spcPct val="100000"/>
+              </a:lnSpc>
+            </a:pPr>
+            <a:endParaRPr/>
+          </a:p>
+          <a:p>
+            <a:pPr algn="ctr">
+              <a:lnSpc>
+                <a:spcPct val="100000"/>
+              </a:lnSpc>
+            </a:pPr>
+            <a:endParaRPr/>
+          </a:p>
+          <a:p>
+            <a:pPr algn="ctr">
+              <a:lnSpc>
+                <a:spcPct val="100000"/>
+              </a:lnSpc>
+            </a:pPr>
+            <a:r>
+              <a:rPr lang="en-AU" sz="2800" strike="noStrike">
                 <a:solidFill>
                   <a:srgbClr val="808080"/>
                 </a:solidFill>
                 <a:latin typeface="Andale Mono"/>
+                <a:ea typeface="DejaVu Sans"/>
               </a:rPr>
               <a:t>sudo dpkg-reconfigure unattended-upgrades</a:t>
             </a:r>
@@ -2383,14 +2537,14 @@
       </p:grpSpPr>
       <p:sp>
         <p:nvSpPr>
-          <p:cNvPr id="51" name="TextShape 1"/>
-          <p:cNvSpPr txBox="1"/>
+          <p:cNvPr id="48" name="CustomShape 1"/>
+          <p:cNvSpPr/>
           <p:nvPr/>
         </p:nvSpPr>
         <p:spPr>
           <a:xfrm>
             <a:off x="504000" y="301320"/>
-            <a:ext cx="9071640" cy="1262160"/>
+            <a:ext cx="9070920" cy="1261440"/>
           </a:xfrm>
           <a:prstGeom prst="rect">
             <a:avLst/>
@@ -2400,13 +2554,27 @@
             <a:noFill/>
           </a:ln>
         </p:spPr>
+        <p:style>
+          <a:lnRef idx="0"/>
+          <a:fillRef idx="0"/>
+          <a:effectRef idx="0"/>
+          <a:fontRef idx="minor"/>
+        </p:style>
         <p:txBody>
           <a:bodyPr lIns="0" rIns="0" tIns="0" bIns="0" anchor="ctr"/>
           <a:p>
-            <a:pPr algn="ctr"/>
-            <a:r>
-              <a:rPr lang="en-AU" sz="4800">
-                <a:latin typeface="Arial"/>
+            <a:pPr algn="ctr">
+              <a:lnSpc>
+                <a:spcPct val="100000"/>
+              </a:lnSpc>
+            </a:pPr>
+            <a:r>
+              <a:rPr lang="en-AU" sz="4800" strike="noStrike">
+                <a:solidFill>
+                  <a:srgbClr val="000000"/>
+                </a:solidFill>
+                <a:latin typeface="Arial"/>
+                <a:ea typeface="DejaVu Sans"/>
               </a:rPr>
               <a:t>Exercise 5 </a:t>
             </a:r>
@@ -2416,14 +2584,14 @@
       </p:sp>
       <p:sp>
         <p:nvSpPr>
-          <p:cNvPr id="52" name="TextShape 2"/>
-          <p:cNvSpPr txBox="1"/>
+          <p:cNvPr id="49" name="CustomShape 2"/>
+          <p:cNvSpPr/>
           <p:nvPr/>
         </p:nvSpPr>
         <p:spPr>
           <a:xfrm>
             <a:off x="648360" y="1080000"/>
-            <a:ext cx="9071640" cy="4384440"/>
+            <a:ext cx="9070920" cy="4383720"/>
           </a:xfrm>
           <a:prstGeom prst="rect">
             <a:avLst/>
@@ -2433,40 +2601,64 @@
             <a:noFill/>
           </a:ln>
         </p:spPr>
+        <p:style>
+          <a:lnRef idx="0"/>
+          <a:fillRef idx="0"/>
+          <a:effectRef idx="0"/>
+          <a:fontRef idx="minor"/>
+        </p:style>
         <p:txBody>
           <a:bodyPr lIns="0" rIns="0" tIns="0" bIns="0" anchor="ctr"/>
           <a:p>
             <a:endParaRPr/>
           </a:p>
           <a:p>
-            <a:pPr algn="ctr"/>
-            <a:r>
-              <a:rPr lang="en-AU" sz="3200">
+            <a:pPr algn="ctr">
+              <a:lnSpc>
+                <a:spcPct val="100000"/>
+              </a:lnSpc>
+            </a:pPr>
+            <a:r>
+              <a:rPr lang="en-AU" sz="3200" strike="noStrike">
                 <a:solidFill>
                   <a:srgbClr val="000000"/>
                 </a:solidFill>
                 <a:latin typeface="Arial"/>
+                <a:ea typeface="DejaVu Sans"/>
               </a:rPr>
               <a:t>Once you've applied the updates</a:t>
             </a:r>
             <a:endParaRPr/>
           </a:p>
           <a:p>
-            <a:pPr algn="ctr"/>
-            <a:endParaRPr/>
-          </a:p>
-          <a:p>
-            <a:pPr algn="ctr"/>
-            <a:endParaRPr/>
-          </a:p>
-          <a:p>
-            <a:pPr algn="ctr"/>
-            <a:r>
-              <a:rPr lang="en-AU" sz="2800">
+            <a:pPr algn="ctr">
+              <a:lnSpc>
+                <a:spcPct val="100000"/>
+              </a:lnSpc>
+            </a:pPr>
+            <a:endParaRPr/>
+          </a:p>
+          <a:p>
+            <a:pPr algn="ctr">
+              <a:lnSpc>
+                <a:spcPct val="100000"/>
+              </a:lnSpc>
+            </a:pPr>
+            <a:endParaRPr/>
+          </a:p>
+          <a:p>
+            <a:pPr algn="ctr">
+              <a:lnSpc>
+                <a:spcPct val="100000"/>
+              </a:lnSpc>
+            </a:pPr>
+            <a:r>
+              <a:rPr lang="en-AU" sz="2800" strike="noStrike">
                 <a:solidFill>
                   <a:srgbClr val="808080"/>
                 </a:solidFill>
                 <a:latin typeface="Andale Mono"/>
+                <a:ea typeface="DejaVu Sans"/>
               </a:rPr>
               <a:t>sudo reboot</a:t>
             </a:r>
